--- a/documents/projectmanagement/Praesentationen/Vorstellung_28ster.pptx
+++ b/documents/projectmanagement/Praesentationen/Vorstellung_28ster.pptx
@@ -1028,6 +1028,11 @@
                 </a:contourClr>
               </a:sp3d>
             </c:spPr>
+            <c:extLst>
+              <c:ext xmlns:c16="http://schemas.microsoft.com/office/drawing/2014/chart" uri="{C3380CC4-5D6E-409C-BE32-E72D297353CC}">
+                <c16:uniqueId val="{00000001-D329-4ACA-86BA-A7455E5BE999}"/>
+              </c:ext>
+            </c:extLst>
           </c:dPt>
           <c:dPt>
             <c:idx val="1"/>
@@ -1048,6 +1053,11 @@
                 </a:contourClr>
               </a:sp3d>
             </c:spPr>
+            <c:extLst>
+              <c:ext xmlns:c16="http://schemas.microsoft.com/office/drawing/2014/chart" uri="{C3380CC4-5D6E-409C-BE32-E72D297353CC}">
+                <c16:uniqueId val="{00000003-D329-4ACA-86BA-A7455E5BE999}"/>
+              </c:ext>
+            </c:extLst>
           </c:dPt>
           <c:dPt>
             <c:idx val="2"/>
@@ -1068,6 +1078,11 @@
                 </a:contourClr>
               </a:sp3d>
             </c:spPr>
+            <c:extLst>
+              <c:ext xmlns:c16="http://schemas.microsoft.com/office/drawing/2014/chart" uri="{C3380CC4-5D6E-409C-BE32-E72D297353CC}">
+                <c16:uniqueId val="{00000005-D329-4ACA-86BA-A7455E5BE999}"/>
+              </c:ext>
+            </c:extLst>
           </c:dPt>
           <c:cat>
             <c:strRef>
@@ -1307,6 +1322,11 @@
                 </a:contourClr>
               </a:sp3d>
             </c:spPr>
+            <c:extLst>
+              <c:ext xmlns:c16="http://schemas.microsoft.com/office/drawing/2014/chart" uri="{C3380CC4-5D6E-409C-BE32-E72D297353CC}">
+                <c16:uniqueId val="{00000001-BAD4-4A4B-B791-C80929F478A4}"/>
+              </c:ext>
+            </c:extLst>
           </c:dPt>
           <c:dPt>
             <c:idx val="1"/>
@@ -1327,6 +1347,11 @@
                 </a:contourClr>
               </a:sp3d>
             </c:spPr>
+            <c:extLst>
+              <c:ext xmlns:c16="http://schemas.microsoft.com/office/drawing/2014/chart" uri="{C3380CC4-5D6E-409C-BE32-E72D297353CC}">
+                <c16:uniqueId val="{00000003-BAD4-4A4B-B791-C80929F478A4}"/>
+              </c:ext>
+            </c:extLst>
           </c:dPt>
           <c:dPt>
             <c:idx val="2"/>
@@ -1347,6 +1372,11 @@
                 </a:contourClr>
               </a:sp3d>
             </c:spPr>
+            <c:extLst>
+              <c:ext xmlns:c16="http://schemas.microsoft.com/office/drawing/2014/chart" uri="{C3380CC4-5D6E-409C-BE32-E72D297353CC}">
+                <c16:uniqueId val="{00000005-BAD4-4A4B-B791-C80929F478A4}"/>
+              </c:ext>
+            </c:extLst>
           </c:dPt>
           <c:dPt>
             <c:idx val="3"/>
@@ -1367,6 +1397,11 @@
                 </a:contourClr>
               </a:sp3d>
             </c:spPr>
+            <c:extLst>
+              <c:ext xmlns:c16="http://schemas.microsoft.com/office/drawing/2014/chart" uri="{C3380CC4-5D6E-409C-BE32-E72D297353CC}">
+                <c16:uniqueId val="{00000007-BAD4-4A4B-B791-C80929F478A4}"/>
+              </c:ext>
+            </c:extLst>
           </c:dPt>
           <c:dPt>
             <c:idx val="4"/>
@@ -1387,6 +1422,11 @@
                 </a:contourClr>
               </a:sp3d>
             </c:spPr>
+            <c:extLst>
+              <c:ext xmlns:c16="http://schemas.microsoft.com/office/drawing/2014/chart" uri="{C3380CC4-5D6E-409C-BE32-E72D297353CC}">
+                <c16:uniqueId val="{00000009-BAD4-4A4B-B791-C80929F478A4}"/>
+              </c:ext>
+            </c:extLst>
           </c:dPt>
           <c:cat>
             <c:strRef>
@@ -14327,6 +14367,13 @@
               <a:t>Verplante Projektleiter</a:t>
             </a:r>
           </a:p>
+          <a:p>
+            <a:pPr lvl="2"/>
+            <a:r>
+              <a:rPr lang="de-DE" dirty="0"/>
+              <a:t>Offene / Freie Mitarbeiter oder Projektleiter</a:t>
+            </a:r>
+          </a:p>
         </p:txBody>
       </p:sp>
     </p:spTree>
